--- a/mkdocs_tc/site/hi221/figures/dig.pptx
+++ b/mkdocs_tc/site/hi221/figures/dig.pptx
@@ -259,7 +259,7 @@
           <a:p>
             <a:fld id="{BF5E15BA-440A-470B-9A89-5352B7B0BE4D}" type="datetimeFigureOut">
               <a:rPr lang="zh-CN" altLang="en-US" smtClean="0"/>
-              <a:t>2020/1/11</a:t>
+              <a:t>2020/8/15</a:t>
             </a:fld>
             <a:endParaRPr lang="zh-CN" altLang="en-US"/>
           </a:p>
@@ -457,7 +457,7 @@
           <a:p>
             <a:fld id="{BF5E15BA-440A-470B-9A89-5352B7B0BE4D}" type="datetimeFigureOut">
               <a:rPr lang="zh-CN" altLang="en-US" smtClean="0"/>
-              <a:t>2020/1/11</a:t>
+              <a:t>2020/8/15</a:t>
             </a:fld>
             <a:endParaRPr lang="zh-CN" altLang="en-US"/>
           </a:p>
@@ -665,7 +665,7 @@
           <a:p>
             <a:fld id="{BF5E15BA-440A-470B-9A89-5352B7B0BE4D}" type="datetimeFigureOut">
               <a:rPr lang="zh-CN" altLang="en-US" smtClean="0"/>
-              <a:t>2020/1/11</a:t>
+              <a:t>2020/8/15</a:t>
             </a:fld>
             <a:endParaRPr lang="zh-CN" altLang="en-US"/>
           </a:p>
@@ -863,7 +863,7 @@
           <a:p>
             <a:fld id="{BF5E15BA-440A-470B-9A89-5352B7B0BE4D}" type="datetimeFigureOut">
               <a:rPr lang="zh-CN" altLang="en-US" smtClean="0"/>
-              <a:t>2020/1/11</a:t>
+              <a:t>2020/8/15</a:t>
             </a:fld>
             <a:endParaRPr lang="zh-CN" altLang="en-US"/>
           </a:p>
@@ -1138,7 +1138,7 @@
           <a:p>
             <a:fld id="{BF5E15BA-440A-470B-9A89-5352B7B0BE4D}" type="datetimeFigureOut">
               <a:rPr lang="zh-CN" altLang="en-US" smtClean="0"/>
-              <a:t>2020/1/11</a:t>
+              <a:t>2020/8/15</a:t>
             </a:fld>
             <a:endParaRPr lang="zh-CN" altLang="en-US"/>
           </a:p>
@@ -1403,7 +1403,7 @@
           <a:p>
             <a:fld id="{BF5E15BA-440A-470B-9A89-5352B7B0BE4D}" type="datetimeFigureOut">
               <a:rPr lang="zh-CN" altLang="en-US" smtClean="0"/>
-              <a:t>2020/1/11</a:t>
+              <a:t>2020/8/15</a:t>
             </a:fld>
             <a:endParaRPr lang="zh-CN" altLang="en-US"/>
           </a:p>
@@ -1815,7 +1815,7 @@
           <a:p>
             <a:fld id="{BF5E15BA-440A-470B-9A89-5352B7B0BE4D}" type="datetimeFigureOut">
               <a:rPr lang="zh-CN" altLang="en-US" smtClean="0"/>
-              <a:t>2020/1/11</a:t>
+              <a:t>2020/8/15</a:t>
             </a:fld>
             <a:endParaRPr lang="zh-CN" altLang="en-US"/>
           </a:p>
@@ -1956,7 +1956,7 @@
           <a:p>
             <a:fld id="{BF5E15BA-440A-470B-9A89-5352B7B0BE4D}" type="datetimeFigureOut">
               <a:rPr lang="zh-CN" altLang="en-US" smtClean="0"/>
-              <a:t>2020/1/11</a:t>
+              <a:t>2020/8/15</a:t>
             </a:fld>
             <a:endParaRPr lang="zh-CN" altLang="en-US"/>
           </a:p>
@@ -2069,7 +2069,7 @@
           <a:p>
             <a:fld id="{BF5E15BA-440A-470B-9A89-5352B7B0BE4D}" type="datetimeFigureOut">
               <a:rPr lang="zh-CN" altLang="en-US" smtClean="0"/>
-              <a:t>2020/1/11</a:t>
+              <a:t>2020/8/15</a:t>
             </a:fld>
             <a:endParaRPr lang="zh-CN" altLang="en-US"/>
           </a:p>
@@ -2380,7 +2380,7 @@
           <a:p>
             <a:fld id="{BF5E15BA-440A-470B-9A89-5352B7B0BE4D}" type="datetimeFigureOut">
               <a:rPr lang="zh-CN" altLang="en-US" smtClean="0"/>
-              <a:t>2020/1/11</a:t>
+              <a:t>2020/8/15</a:t>
             </a:fld>
             <a:endParaRPr lang="zh-CN" altLang="en-US"/>
           </a:p>
@@ -2668,7 +2668,7 @@
           <a:p>
             <a:fld id="{BF5E15BA-440A-470B-9A89-5352B7B0BE4D}" type="datetimeFigureOut">
               <a:rPr lang="zh-CN" altLang="en-US" smtClean="0"/>
-              <a:t>2020/1/11</a:t>
+              <a:t>2020/8/15</a:t>
             </a:fld>
             <a:endParaRPr lang="zh-CN" altLang="en-US"/>
           </a:p>
@@ -2909,7 +2909,7 @@
           <a:p>
             <a:fld id="{BF5E15BA-440A-470B-9A89-5352B7B0BE4D}" type="datetimeFigureOut">
               <a:rPr lang="zh-CN" altLang="en-US" smtClean="0"/>
-              <a:t>2020/1/11</a:t>
+              <a:t>2020/8/15</a:t>
             </a:fld>
             <a:endParaRPr lang="zh-CN" altLang="en-US"/>
           </a:p>
@@ -3326,41 +3326,160 @@
           <a:chExt cx="0" cy="0"/>
         </a:xfrm>
       </p:grpSpPr>
-      <p:sp>
-        <p:nvSpPr>
-          <p:cNvPr id="4" name="矩形: 圆角 3">
-            <a:extLst>
-              <a:ext uri="{FF2B5EF4-FFF2-40B4-BE49-F238E27FC236}">
-                <a16:creationId xmlns:a16="http://schemas.microsoft.com/office/drawing/2014/main" id="{E1DEC8F3-EB8A-4234-8E3F-0F08418ED966}"/>
-              </a:ext>
-            </a:extLst>
-          </p:cNvPr>
-          <p:cNvSpPr/>
+      <p:pic>
+        <p:nvPicPr>
+          <p:cNvPr id="2" name="圖片 1">
+            <a:extLst>
+              <a:ext uri="{FF2B5EF4-FFF2-40B4-BE49-F238E27FC236}">
+                <a16:creationId xmlns:a16="http://schemas.microsoft.com/office/drawing/2014/main" id="{B2A9EC48-A871-4FC7-B905-7F7AB309A849}"/>
+              </a:ext>
+            </a:extLst>
+          </p:cNvPr>
+          <p:cNvPicPr>
+            <a:picLocks noChangeAspect="1"/>
+          </p:cNvPicPr>
           <p:nvPr/>
-        </p:nvSpPr>
+        </p:nvPicPr>
+        <p:blipFill>
+          <a:blip r:embed="rId2"/>
+          <a:stretch>
+            <a:fillRect/>
+          </a:stretch>
+        </p:blipFill>
         <p:spPr>
           <a:xfrm>
-            <a:off x="4901454" y="2728674"/>
-            <a:ext cx="2211355" cy="1105678"/>
+            <a:off x="1933198" y="1927320"/>
+            <a:ext cx="1414827" cy="773651"/>
           </a:xfrm>
-          <a:prstGeom prst="roundRect">
+          <a:prstGeom prst="rect">
             <a:avLst/>
           </a:prstGeom>
         </p:spPr>
+      </p:pic>
+      <p:pic>
+        <p:nvPicPr>
+          <p:cNvPr id="13" name="圖片 12">
+            <a:extLst>
+              <a:ext uri="{FF2B5EF4-FFF2-40B4-BE49-F238E27FC236}">
+                <a16:creationId xmlns:a16="http://schemas.microsoft.com/office/drawing/2014/main" id="{72C0EEF7-29CF-4C55-BE01-24BE4EBF24B1}"/>
+              </a:ext>
+            </a:extLst>
+          </p:cNvPr>
+          <p:cNvPicPr>
+            <a:picLocks noChangeAspect="1"/>
+          </p:cNvPicPr>
+          <p:nvPr/>
+        </p:nvPicPr>
+        <p:blipFill>
+          <a:blip r:embed="rId2"/>
+          <a:stretch>
+            <a:fillRect/>
+          </a:stretch>
+        </p:blipFill>
+        <p:spPr>
+          <a:xfrm>
+            <a:off x="3691327" y="1927320"/>
+            <a:ext cx="1414827" cy="773651"/>
+          </a:xfrm>
+          <a:prstGeom prst="rect">
+            <a:avLst/>
+          </a:prstGeom>
+        </p:spPr>
+      </p:pic>
+      <p:pic>
+        <p:nvPicPr>
+          <p:cNvPr id="15" name="圖片 14">
+            <a:extLst>
+              <a:ext uri="{FF2B5EF4-FFF2-40B4-BE49-F238E27FC236}">
+                <a16:creationId xmlns:a16="http://schemas.microsoft.com/office/drawing/2014/main" id="{3F54FD3B-8F93-4EB8-AB09-FCD5EB997D4A}"/>
+              </a:ext>
+            </a:extLst>
+          </p:cNvPr>
+          <p:cNvPicPr>
+            <a:picLocks noChangeAspect="1"/>
+          </p:cNvPicPr>
+          <p:nvPr/>
+        </p:nvPicPr>
+        <p:blipFill>
+          <a:blip r:embed="rId2"/>
+          <a:stretch>
+            <a:fillRect/>
+          </a:stretch>
+        </p:blipFill>
+        <p:spPr>
+          <a:xfrm>
+            <a:off x="8606760" y="1879816"/>
+            <a:ext cx="1414827" cy="773651"/>
+          </a:xfrm>
+          <a:prstGeom prst="rect">
+            <a:avLst/>
+          </a:prstGeom>
+        </p:spPr>
+      </p:pic>
+      <p:pic>
+        <p:nvPicPr>
+          <p:cNvPr id="17" name="圖片 16">
+            <a:extLst>
+              <a:ext uri="{FF2B5EF4-FFF2-40B4-BE49-F238E27FC236}">
+                <a16:creationId xmlns:a16="http://schemas.microsoft.com/office/drawing/2014/main" id="{B1CBBB33-23FA-41B4-8A8C-64B45E3E4201}"/>
+              </a:ext>
+            </a:extLst>
+          </p:cNvPr>
+          <p:cNvPicPr>
+            <a:picLocks noChangeAspect="1"/>
+          </p:cNvPicPr>
+          <p:nvPr/>
+        </p:nvPicPr>
+        <p:blipFill>
+          <a:blip r:embed="rId2"/>
+          <a:stretch>
+            <a:fillRect/>
+          </a:stretch>
+        </p:blipFill>
+        <p:spPr>
+          <a:xfrm>
+            <a:off x="6864283" y="1927321"/>
+            <a:ext cx="1414827" cy="773651"/>
+          </a:xfrm>
+          <a:prstGeom prst="rect">
+            <a:avLst/>
+          </a:prstGeom>
+        </p:spPr>
+      </p:pic>
+      <p:sp>
+        <p:nvSpPr>
+          <p:cNvPr id="18" name="左右大括弧 17">
+            <a:extLst>
+              <a:ext uri="{FF2B5EF4-FFF2-40B4-BE49-F238E27FC236}">
+                <a16:creationId xmlns:a16="http://schemas.microsoft.com/office/drawing/2014/main" id="{34F5991D-20FE-4BDA-9A43-93C056AC3FBE}"/>
+              </a:ext>
+            </a:extLst>
+          </p:cNvPr>
+          <p:cNvSpPr/>
+          <p:nvPr/>
+        </p:nvSpPr>
+        <p:spPr>
+          <a:xfrm>
+            <a:off x="1630836" y="1621457"/>
+            <a:ext cx="8789929" cy="1451681"/>
+          </a:xfrm>
+          <a:prstGeom prst="bracePair">
+            <a:avLst/>
+          </a:prstGeom>
+          <a:ln w="57150"/>
+        </p:spPr>
         <p:style>
-          <a:lnRef idx="2">
-            <a:schemeClr val="accent1">
-              <a:shade val="50000"/>
-            </a:schemeClr>
+          <a:lnRef idx="1">
+            <a:schemeClr val="accent1"/>
           </a:lnRef>
-          <a:fillRef idx="1">
+          <a:fillRef idx="0">
             <a:schemeClr val="accent1"/>
           </a:fillRef>
           <a:effectRef idx="0">
             <a:schemeClr val="accent1"/>
           </a:effectRef>
           <a:fontRef idx="minor">
-            <a:schemeClr val="lt1"/>
+            <a:schemeClr val="tx1"/>
           </a:fontRef>
         </p:style>
         <p:txBody>
@@ -3368,447 +3487,179 @@
           <a:lstStyle/>
           <a:p>
             <a:pPr algn="ctr"/>
-            <a:r>
-              <a:rPr lang="en-US" altLang="zh-CN" dirty="0"/>
-              <a:t>HI221GW(</a:t>
-            </a:r>
-            <a:r>
-              <a:rPr lang="en-US" altLang="zh-TW" dirty="0"/>
-              <a:t>Receiver</a:t>
-            </a:r>
-            <a:r>
-              <a:rPr lang="en-US" altLang="zh-CN" dirty="0"/>
-              <a:t>)</a:t>
-            </a:r>
-            <a:endParaRPr lang="zh-CN" altLang="en-US" dirty="0"/>
-          </a:p>
-        </p:txBody>
-      </p:sp>
-      <p:sp>
-        <p:nvSpPr>
-          <p:cNvPr id="5" name="椭圆 4">
-            <a:extLst>
-              <a:ext uri="{FF2B5EF4-FFF2-40B4-BE49-F238E27FC236}">
-                <a16:creationId xmlns:a16="http://schemas.microsoft.com/office/drawing/2014/main" id="{1CDB2A16-A7F4-443B-A0C3-16DF6A5703D4}"/>
-              </a:ext>
-            </a:extLst>
-          </p:cNvPr>
-          <p:cNvSpPr/>
+            <a:endParaRPr lang="zh-TW" altLang="en-US"/>
+          </a:p>
+        </p:txBody>
+      </p:sp>
+      <p:sp>
+        <p:nvSpPr>
+          <p:cNvPr id="19" name="文字方塊 18">
+            <a:extLst>
+              <a:ext uri="{FF2B5EF4-FFF2-40B4-BE49-F238E27FC236}">
+                <a16:creationId xmlns:a16="http://schemas.microsoft.com/office/drawing/2014/main" id="{A0F3E5A5-6578-493C-8D2A-0334983763C8}"/>
+              </a:ext>
+            </a:extLst>
+          </p:cNvPr>
+          <p:cNvSpPr txBox="1"/>
           <p:nvPr/>
         </p:nvSpPr>
         <p:spPr>
           <a:xfrm>
-            <a:off x="3315253" y="1254439"/>
-            <a:ext cx="1156995" cy="839755"/>
+            <a:off x="5363850" y="1879816"/>
+            <a:ext cx="1097437" cy="707886"/>
           </a:xfrm>
-          <a:prstGeom prst="ellipse">
+          <a:prstGeom prst="rect">
+            <a:avLst/>
+          </a:prstGeom>
+          <a:noFill/>
+        </p:spPr>
+        <p:txBody>
+          <a:bodyPr wrap="square" rtlCol="0">
+            <a:spAutoFit/>
+          </a:bodyPr>
+          <a:lstStyle/>
+          <a:p>
+            <a:r>
+              <a:rPr lang="en-US" altLang="zh-TW" sz="4000" b="1" dirty="0">
+                <a:latin typeface="微軟正黑體" panose="020B0604030504040204" pitchFamily="34" charset="-120"/>
+                <a:ea typeface="微軟正黑體" panose="020B0604030504040204" pitchFamily="34" charset="-120"/>
+              </a:rPr>
+              <a:t>……</a:t>
+            </a:r>
+            <a:endParaRPr lang="zh-TW" altLang="en-US" sz="4000" b="1" dirty="0">
+              <a:latin typeface="微軟正黑體" panose="020B0604030504040204" pitchFamily="34" charset="-120"/>
+              <a:ea typeface="微軟正黑體" panose="020B0604030504040204" pitchFamily="34" charset="-120"/>
+            </a:endParaRPr>
+          </a:p>
+        </p:txBody>
+      </p:sp>
+      <p:sp>
+        <p:nvSpPr>
+          <p:cNvPr id="22" name="文字方塊 21">
+            <a:extLst>
+              <a:ext uri="{FF2B5EF4-FFF2-40B4-BE49-F238E27FC236}">
+                <a16:creationId xmlns:a16="http://schemas.microsoft.com/office/drawing/2014/main" id="{9FEDC89E-6991-4E71-9824-3D25ACDEB9E1}"/>
+              </a:ext>
+            </a:extLst>
+          </p:cNvPr>
+          <p:cNvSpPr txBox="1"/>
+          <p:nvPr/>
+        </p:nvSpPr>
+        <p:spPr>
+          <a:xfrm>
+            <a:off x="3956065" y="1169558"/>
+            <a:ext cx="4279870" cy="523220"/>
+          </a:xfrm>
+          <a:prstGeom prst="rect">
+            <a:avLst/>
+          </a:prstGeom>
+          <a:noFill/>
+        </p:spPr>
+        <p:txBody>
+          <a:bodyPr wrap="square" rtlCol="0">
+            <a:spAutoFit/>
+          </a:bodyPr>
+          <a:lstStyle/>
+          <a:p>
+            <a:pPr algn="ctr"/>
+            <a:r>
+              <a:rPr lang="zh-TW" altLang="en-US" sz="2800" b="1" dirty="0">
+                <a:solidFill>
+                  <a:schemeClr val="accent1">
+                    <a:lumMod val="75000"/>
+                  </a:schemeClr>
+                </a:solidFill>
+                <a:latin typeface="微軟正黑體" panose="020B0604030504040204" pitchFamily="34" charset="-120"/>
+                <a:ea typeface="微軟正黑體" panose="020B0604030504040204" pitchFamily="34" charset="-120"/>
+              </a:rPr>
+              <a:t>連接高達</a:t>
+            </a:r>
+            <a:r>
+              <a:rPr lang="en-US" altLang="zh-TW" sz="2800" b="1" dirty="0">
+                <a:solidFill>
+                  <a:schemeClr val="accent1">
+                    <a:lumMod val="75000"/>
+                  </a:schemeClr>
+                </a:solidFill>
+                <a:latin typeface="微軟正黑體" panose="020B0604030504040204" pitchFamily="34" charset="-120"/>
+                <a:ea typeface="微軟正黑體" panose="020B0604030504040204" pitchFamily="34" charset="-120"/>
+              </a:rPr>
+              <a:t>16</a:t>
+            </a:r>
+            <a:r>
+              <a:rPr lang="zh-TW" altLang="en-US" sz="2800" b="1" dirty="0">
+                <a:solidFill>
+                  <a:schemeClr val="accent1">
+                    <a:lumMod val="75000"/>
+                  </a:schemeClr>
+                </a:solidFill>
+                <a:latin typeface="微軟正黑體" panose="020B0604030504040204" pitchFamily="34" charset="-120"/>
+                <a:ea typeface="微軟正黑體" panose="020B0604030504040204" pitchFamily="34" charset="-120"/>
+              </a:rPr>
+              <a:t>組節點</a:t>
+            </a:r>
+          </a:p>
+        </p:txBody>
+      </p:sp>
+      <p:pic>
+        <p:nvPicPr>
+          <p:cNvPr id="28" name="圖片 27">
+            <a:extLst>
+              <a:ext uri="{FF2B5EF4-FFF2-40B4-BE49-F238E27FC236}">
+                <a16:creationId xmlns:a16="http://schemas.microsoft.com/office/drawing/2014/main" id="{E77D01F3-96AC-4966-BB5B-1C71CBA17046}"/>
+              </a:ext>
+            </a:extLst>
+          </p:cNvPr>
+          <p:cNvPicPr>
+            <a:picLocks noChangeAspect="1"/>
+          </p:cNvPicPr>
+          <p:nvPr/>
+        </p:nvPicPr>
+        <p:blipFill>
+          <a:blip r:embed="rId3"/>
+          <a:stretch>
+            <a:fillRect/>
+          </a:stretch>
+        </p:blipFill>
+        <p:spPr>
+          <a:xfrm>
+            <a:off x="4904937" y="4320828"/>
+            <a:ext cx="1301578" cy="958622"/>
+          </a:xfrm>
+          <a:prstGeom prst="rect">
             <a:avLst/>
           </a:prstGeom>
         </p:spPr>
-        <p:style>
-          <a:lnRef idx="2">
-            <a:schemeClr val="accent1">
-              <a:shade val="50000"/>
-            </a:schemeClr>
-          </a:lnRef>
-          <a:fillRef idx="1">
-            <a:schemeClr val="accent1"/>
-          </a:fillRef>
-          <a:effectRef idx="0">
-            <a:schemeClr val="accent1"/>
-          </a:effectRef>
-          <a:fontRef idx="minor">
-            <a:schemeClr val="lt1"/>
-          </a:fontRef>
-        </p:style>
-        <p:txBody>
-          <a:bodyPr rtlCol="0" anchor="ctr"/>
-          <a:lstStyle/>
-          <a:p>
-            <a:pPr algn="ctr"/>
-            <a:r>
-              <a:rPr lang="en-US" altLang="zh-CN" dirty="0"/>
-              <a:t>HI221</a:t>
-            </a:r>
-            <a:endParaRPr lang="zh-CN" altLang="en-US" dirty="0"/>
-          </a:p>
-        </p:txBody>
-      </p:sp>
-      <p:sp>
-        <p:nvSpPr>
-          <p:cNvPr id="6" name="椭圆 5">
-            <a:extLst>
-              <a:ext uri="{FF2B5EF4-FFF2-40B4-BE49-F238E27FC236}">
-                <a16:creationId xmlns:a16="http://schemas.microsoft.com/office/drawing/2014/main" id="{BBBE604E-F89A-4426-80DA-0F831603E327}"/>
-              </a:ext>
-            </a:extLst>
-          </p:cNvPr>
-          <p:cNvSpPr/>
-          <p:nvPr/>
-        </p:nvSpPr>
-        <p:spPr>
-          <a:xfrm>
-            <a:off x="7493823" y="1254438"/>
-            <a:ext cx="1156995" cy="839755"/>
-          </a:xfrm>
-          <a:prstGeom prst="ellipse">
-            <a:avLst/>
-          </a:prstGeom>
-        </p:spPr>
-        <p:style>
-          <a:lnRef idx="2">
-            <a:schemeClr val="accent1">
-              <a:shade val="50000"/>
-            </a:schemeClr>
-          </a:lnRef>
-          <a:fillRef idx="1">
-            <a:schemeClr val="accent1"/>
-          </a:fillRef>
-          <a:effectRef idx="0">
-            <a:schemeClr val="accent1"/>
-          </a:effectRef>
-          <a:fontRef idx="minor">
-            <a:schemeClr val="lt1"/>
-          </a:fontRef>
-        </p:style>
-        <p:txBody>
-          <a:bodyPr rtlCol="0" anchor="ctr"/>
-          <a:lstStyle/>
-          <a:p>
-            <a:pPr algn="ctr"/>
-            <a:r>
-              <a:rPr lang="en-US" altLang="zh-CN" dirty="0"/>
-              <a:t>HI221</a:t>
-            </a:r>
-            <a:endParaRPr lang="zh-CN" altLang="en-US" dirty="0"/>
-          </a:p>
-        </p:txBody>
-      </p:sp>
-      <p:sp>
-        <p:nvSpPr>
-          <p:cNvPr id="7" name="椭圆 6">
-            <a:extLst>
-              <a:ext uri="{FF2B5EF4-FFF2-40B4-BE49-F238E27FC236}">
-                <a16:creationId xmlns:a16="http://schemas.microsoft.com/office/drawing/2014/main" id="{06542E4A-A6CD-4E73-962B-FDE7BB2D43B4}"/>
-              </a:ext>
-            </a:extLst>
-          </p:cNvPr>
-          <p:cNvSpPr/>
-          <p:nvPr/>
-        </p:nvSpPr>
-        <p:spPr>
-          <a:xfrm>
-            <a:off x="4850137" y="1254438"/>
-            <a:ext cx="1156995" cy="839755"/>
-          </a:xfrm>
-          <a:prstGeom prst="ellipse">
-            <a:avLst/>
-          </a:prstGeom>
-        </p:spPr>
-        <p:style>
-          <a:lnRef idx="2">
-            <a:schemeClr val="accent1">
-              <a:shade val="50000"/>
-            </a:schemeClr>
-          </a:lnRef>
-          <a:fillRef idx="1">
-            <a:schemeClr val="accent1"/>
-          </a:fillRef>
-          <a:effectRef idx="0">
-            <a:schemeClr val="accent1"/>
-          </a:effectRef>
-          <a:fontRef idx="minor">
-            <a:schemeClr val="lt1"/>
-          </a:fontRef>
-        </p:style>
-        <p:txBody>
-          <a:bodyPr rtlCol="0" anchor="ctr"/>
-          <a:lstStyle/>
-          <a:p>
-            <a:pPr algn="ctr"/>
-            <a:r>
-              <a:rPr lang="en-US" altLang="zh-CN" dirty="0"/>
-              <a:t>HI221</a:t>
-            </a:r>
-            <a:endParaRPr lang="zh-CN" altLang="en-US" dirty="0"/>
-          </a:p>
-        </p:txBody>
-      </p:sp>
-      <p:sp>
-        <p:nvSpPr>
-          <p:cNvPr id="8" name="椭圆 7">
-            <a:extLst>
-              <a:ext uri="{FF2B5EF4-FFF2-40B4-BE49-F238E27FC236}">
-                <a16:creationId xmlns:a16="http://schemas.microsoft.com/office/drawing/2014/main" id="{0F03A6E9-1F0C-4175-A197-CB3CA863E881}"/>
-              </a:ext>
-            </a:extLst>
-          </p:cNvPr>
-          <p:cNvSpPr/>
-          <p:nvPr/>
-        </p:nvSpPr>
-        <p:spPr>
-          <a:xfrm>
-            <a:off x="6171980" y="1254438"/>
-            <a:ext cx="1156995" cy="839755"/>
-          </a:xfrm>
-          <a:prstGeom prst="ellipse">
-            <a:avLst/>
-          </a:prstGeom>
-        </p:spPr>
-        <p:style>
-          <a:lnRef idx="2">
-            <a:schemeClr val="accent1">
-              <a:shade val="50000"/>
-            </a:schemeClr>
-          </a:lnRef>
-          <a:fillRef idx="1">
-            <a:schemeClr val="accent1"/>
-          </a:fillRef>
-          <a:effectRef idx="0">
-            <a:schemeClr val="accent1"/>
-          </a:effectRef>
-          <a:fontRef idx="minor">
-            <a:schemeClr val="lt1"/>
-          </a:fontRef>
-        </p:style>
-        <p:txBody>
-          <a:bodyPr rtlCol="0" anchor="ctr"/>
-          <a:lstStyle/>
-          <a:p>
-            <a:pPr algn="ctr"/>
-            <a:r>
-              <a:rPr lang="en-US" altLang="zh-CN" dirty="0"/>
-              <a:t>HI221</a:t>
-            </a:r>
-            <a:endParaRPr lang="zh-CN" altLang="en-US" dirty="0"/>
-          </a:p>
-        </p:txBody>
-      </p:sp>
-      <p:sp>
-        <p:nvSpPr>
-          <p:cNvPr id="9" name="椭圆 8">
-            <a:extLst>
-              <a:ext uri="{FF2B5EF4-FFF2-40B4-BE49-F238E27FC236}">
-                <a16:creationId xmlns:a16="http://schemas.microsoft.com/office/drawing/2014/main" id="{15ADCC4A-A876-4A51-A852-1EFF109477C8}"/>
-              </a:ext>
-            </a:extLst>
-          </p:cNvPr>
-          <p:cNvSpPr/>
-          <p:nvPr/>
-        </p:nvSpPr>
-        <p:spPr>
-          <a:xfrm>
-            <a:off x="3315253" y="4468835"/>
-            <a:ext cx="1156995" cy="839755"/>
-          </a:xfrm>
-          <a:prstGeom prst="ellipse">
-            <a:avLst/>
-          </a:prstGeom>
-        </p:spPr>
-        <p:style>
-          <a:lnRef idx="2">
-            <a:schemeClr val="accent1">
-              <a:shade val="50000"/>
-            </a:schemeClr>
-          </a:lnRef>
-          <a:fillRef idx="1">
-            <a:schemeClr val="accent1"/>
-          </a:fillRef>
-          <a:effectRef idx="0">
-            <a:schemeClr val="accent1"/>
-          </a:effectRef>
-          <a:fontRef idx="minor">
-            <a:schemeClr val="lt1"/>
-          </a:fontRef>
-        </p:style>
-        <p:txBody>
-          <a:bodyPr rtlCol="0" anchor="ctr"/>
-          <a:lstStyle/>
-          <a:p>
-            <a:pPr algn="ctr"/>
-            <a:r>
-              <a:rPr lang="en-US" altLang="zh-CN" dirty="0"/>
-              <a:t>HI221</a:t>
-            </a:r>
-            <a:endParaRPr lang="zh-CN" altLang="en-US" dirty="0"/>
-          </a:p>
-        </p:txBody>
-      </p:sp>
-      <p:sp>
-        <p:nvSpPr>
-          <p:cNvPr id="10" name="椭圆 9">
-            <a:extLst>
-              <a:ext uri="{FF2B5EF4-FFF2-40B4-BE49-F238E27FC236}">
-                <a16:creationId xmlns:a16="http://schemas.microsoft.com/office/drawing/2014/main" id="{2F1D3485-7F8D-4373-8F0F-B1CE389FA5D6}"/>
-              </a:ext>
-            </a:extLst>
-          </p:cNvPr>
-          <p:cNvSpPr/>
-          <p:nvPr/>
-        </p:nvSpPr>
-        <p:spPr>
-          <a:xfrm>
-            <a:off x="7493823" y="4468834"/>
-            <a:ext cx="1156995" cy="839755"/>
-          </a:xfrm>
-          <a:prstGeom prst="ellipse">
-            <a:avLst/>
-          </a:prstGeom>
-        </p:spPr>
-        <p:style>
-          <a:lnRef idx="2">
-            <a:schemeClr val="accent1">
-              <a:shade val="50000"/>
-            </a:schemeClr>
-          </a:lnRef>
-          <a:fillRef idx="1">
-            <a:schemeClr val="accent1"/>
-          </a:fillRef>
-          <a:effectRef idx="0">
-            <a:schemeClr val="accent1"/>
-          </a:effectRef>
-          <a:fontRef idx="minor">
-            <a:schemeClr val="lt1"/>
-          </a:fontRef>
-        </p:style>
-        <p:txBody>
-          <a:bodyPr rtlCol="0" anchor="ctr"/>
-          <a:lstStyle/>
-          <a:p>
-            <a:pPr algn="ctr"/>
-            <a:r>
-              <a:rPr lang="en-US" altLang="zh-CN" dirty="0"/>
-              <a:t>HI221</a:t>
-            </a:r>
-            <a:endParaRPr lang="zh-CN" altLang="en-US" dirty="0"/>
-          </a:p>
-        </p:txBody>
-      </p:sp>
-      <p:sp>
-        <p:nvSpPr>
-          <p:cNvPr id="11" name="椭圆 10">
-            <a:extLst>
-              <a:ext uri="{FF2B5EF4-FFF2-40B4-BE49-F238E27FC236}">
-                <a16:creationId xmlns:a16="http://schemas.microsoft.com/office/drawing/2014/main" id="{CAFB3076-F4DE-4804-993C-C571DA3461F0}"/>
-              </a:ext>
-            </a:extLst>
-          </p:cNvPr>
-          <p:cNvSpPr/>
-          <p:nvPr/>
-        </p:nvSpPr>
-        <p:spPr>
-          <a:xfrm>
-            <a:off x="4850137" y="4468834"/>
-            <a:ext cx="1156995" cy="839755"/>
-          </a:xfrm>
-          <a:prstGeom prst="ellipse">
-            <a:avLst/>
-          </a:prstGeom>
-        </p:spPr>
-        <p:style>
-          <a:lnRef idx="2">
-            <a:schemeClr val="accent1">
-              <a:shade val="50000"/>
-            </a:schemeClr>
-          </a:lnRef>
-          <a:fillRef idx="1">
-            <a:schemeClr val="accent1"/>
-          </a:fillRef>
-          <a:effectRef idx="0">
-            <a:schemeClr val="accent1"/>
-          </a:effectRef>
-          <a:fontRef idx="minor">
-            <a:schemeClr val="lt1"/>
-          </a:fontRef>
-        </p:style>
-        <p:txBody>
-          <a:bodyPr rtlCol="0" anchor="ctr"/>
-          <a:lstStyle/>
-          <a:p>
-            <a:pPr algn="ctr"/>
-            <a:r>
-              <a:rPr lang="en-US" altLang="zh-CN" dirty="0"/>
-              <a:t>HI221</a:t>
-            </a:r>
-            <a:endParaRPr lang="zh-CN" altLang="en-US" dirty="0"/>
-          </a:p>
-        </p:txBody>
-      </p:sp>
-      <p:sp>
-        <p:nvSpPr>
-          <p:cNvPr id="12" name="椭圆 11">
-            <a:extLst>
-              <a:ext uri="{FF2B5EF4-FFF2-40B4-BE49-F238E27FC236}">
-                <a16:creationId xmlns:a16="http://schemas.microsoft.com/office/drawing/2014/main" id="{EBB2C413-41BD-4FF7-B49D-E2F4F55CD382}"/>
-              </a:ext>
-            </a:extLst>
-          </p:cNvPr>
-          <p:cNvSpPr/>
-          <p:nvPr/>
-        </p:nvSpPr>
-        <p:spPr>
-          <a:xfrm>
-            <a:off x="6171980" y="4468834"/>
-            <a:ext cx="1156995" cy="839755"/>
-          </a:xfrm>
-          <a:prstGeom prst="ellipse">
-            <a:avLst/>
-          </a:prstGeom>
-        </p:spPr>
-        <p:style>
-          <a:lnRef idx="2">
-            <a:schemeClr val="accent1">
-              <a:shade val="50000"/>
-            </a:schemeClr>
-          </a:lnRef>
-          <a:fillRef idx="1">
-            <a:schemeClr val="accent1"/>
-          </a:fillRef>
-          <a:effectRef idx="0">
-            <a:schemeClr val="accent1"/>
-          </a:effectRef>
-          <a:fontRef idx="minor">
-            <a:schemeClr val="lt1"/>
-          </a:fontRef>
-        </p:style>
-        <p:txBody>
-          <a:bodyPr rtlCol="0" anchor="ctr"/>
-          <a:lstStyle/>
-          <a:p>
-            <a:pPr algn="ctr"/>
-            <a:r>
-              <a:rPr lang="en-US" altLang="zh-CN" dirty="0"/>
-              <a:t>HI221</a:t>
-            </a:r>
-            <a:endParaRPr lang="zh-CN" altLang="en-US" dirty="0"/>
-          </a:p>
-        </p:txBody>
-      </p:sp>
+      </p:pic>
       <p:cxnSp>
         <p:nvCxnSpPr>
-          <p:cNvPr id="14" name="直接箭头连接符 13">
-            <a:extLst>
-              <a:ext uri="{FF2B5EF4-FFF2-40B4-BE49-F238E27FC236}">
-                <a16:creationId xmlns:a16="http://schemas.microsoft.com/office/drawing/2014/main" id="{24614557-8CF7-4F60-A06C-0FA6457AB982}"/>
+          <p:cNvPr id="31" name="接點: 肘形 30">
+            <a:extLst>
+              <a:ext uri="{FF2B5EF4-FFF2-40B4-BE49-F238E27FC236}">
+                <a16:creationId xmlns:a16="http://schemas.microsoft.com/office/drawing/2014/main" id="{BCC2F20A-ADA4-4D21-AB0F-74B03BCC38BB}"/>
               </a:ext>
             </a:extLst>
           </p:cNvPr>
           <p:cNvCxnSpPr>
             <a:cxnSpLocks/>
-            <a:stCxn id="5" idx="4"/>
-            <a:endCxn id="4" idx="0"/>
+            <a:stCxn id="2" idx="2"/>
+            <a:endCxn id="28" idx="1"/>
           </p:cNvCxnSpPr>
           <p:nvPr/>
         </p:nvCxnSpPr>
         <p:spPr>
-          <a:xfrm>
-            <a:off x="3893751" y="2094194"/>
-            <a:ext cx="2113381" cy="634480"/>
+          <a:xfrm rot="16200000" flipH="1">
+            <a:off x="2723190" y="2618392"/>
+            <a:ext cx="2099168" cy="2264325"/>
           </a:xfrm>
-          <a:prstGeom prst="straightConnector1">
+          <a:prstGeom prst="bentConnector2">
             <a:avLst/>
           </a:prstGeom>
-          <a:ln>
+          <a:ln w="57150">
+            <a:solidFill>
+              <a:schemeClr val="tx2"/>
+            </a:solidFill>
+            <a:prstDash val="lgDash"/>
             <a:tailEnd type="triangle"/>
           </a:ln>
         </p:spPr>
@@ -3829,29 +3680,35 @@
       </p:cxnSp>
       <p:cxnSp>
         <p:nvCxnSpPr>
-          <p:cNvPr id="16" name="直接箭头连接符 15">
-            <a:extLst>
-              <a:ext uri="{FF2B5EF4-FFF2-40B4-BE49-F238E27FC236}">
-                <a16:creationId xmlns:a16="http://schemas.microsoft.com/office/drawing/2014/main" id="{1826828A-CD5E-43DB-937C-B5896B5040A6}"/>
+          <p:cNvPr id="37" name="接點: 肘形 36">
+            <a:extLst>
+              <a:ext uri="{FF2B5EF4-FFF2-40B4-BE49-F238E27FC236}">
+                <a16:creationId xmlns:a16="http://schemas.microsoft.com/office/drawing/2014/main" id="{297C69CA-11B5-45E8-9626-ADF85542A873}"/>
               </a:ext>
             </a:extLst>
           </p:cNvPr>
           <p:cNvCxnSpPr>
             <a:cxnSpLocks/>
-            <a:stCxn id="7" idx="4"/>
-            <a:endCxn id="4" idx="0"/>
+            <a:stCxn id="13" idx="2"/>
+            <a:endCxn id="28" idx="0"/>
           </p:cNvCxnSpPr>
           <p:nvPr/>
         </p:nvCxnSpPr>
         <p:spPr>
-          <a:xfrm>
-            <a:off x="5428635" y="2094193"/>
-            <a:ext cx="578497" cy="634481"/>
+          <a:xfrm rot="16200000" flipH="1">
+            <a:off x="4167305" y="2932406"/>
+            <a:ext cx="1619857" cy="1156985"/>
           </a:xfrm>
-          <a:prstGeom prst="straightConnector1">
-            <a:avLst/>
+          <a:prstGeom prst="bentConnector3">
+            <a:avLst>
+              <a:gd name="adj1" fmla="val 50000"/>
+            </a:avLst>
           </a:prstGeom>
-          <a:ln>
+          <a:ln w="57150">
+            <a:solidFill>
+              <a:schemeClr val="tx2"/>
+            </a:solidFill>
+            <a:prstDash val="lgDash"/>
             <a:tailEnd type="triangle"/>
           </a:ln>
         </p:spPr>
@@ -3872,29 +3729,33 @@
       </p:cxnSp>
       <p:cxnSp>
         <p:nvCxnSpPr>
-          <p:cNvPr id="20" name="直接箭头连接符 19">
-            <a:extLst>
-              <a:ext uri="{FF2B5EF4-FFF2-40B4-BE49-F238E27FC236}">
-                <a16:creationId xmlns:a16="http://schemas.microsoft.com/office/drawing/2014/main" id="{76641D8F-374E-4501-A037-8202C3A1D804}"/>
+          <p:cNvPr id="39" name="接點: 肘形 38">
+            <a:extLst>
+              <a:ext uri="{FF2B5EF4-FFF2-40B4-BE49-F238E27FC236}">
+                <a16:creationId xmlns:a16="http://schemas.microsoft.com/office/drawing/2014/main" id="{BA9FF6BF-A4F4-43E5-8E99-11860E8F96D1}"/>
               </a:ext>
             </a:extLst>
           </p:cNvPr>
           <p:cNvCxnSpPr>
             <a:cxnSpLocks/>
-            <a:stCxn id="8" idx="4"/>
-            <a:endCxn id="4" idx="0"/>
+            <a:stCxn id="17" idx="2"/>
+            <a:endCxn id="28" idx="3"/>
           </p:cNvCxnSpPr>
           <p:nvPr/>
         </p:nvCxnSpPr>
         <p:spPr>
-          <a:xfrm flipH="1">
-            <a:off x="6007132" y="2094193"/>
-            <a:ext cx="743346" cy="634481"/>
+          <a:xfrm rot="5400000">
+            <a:off x="5839523" y="3067964"/>
+            <a:ext cx="2099167" cy="1365182"/>
           </a:xfrm>
-          <a:prstGeom prst="straightConnector1">
+          <a:prstGeom prst="bentConnector2">
             <a:avLst/>
           </a:prstGeom>
-          <a:ln>
+          <a:ln w="57150">
+            <a:solidFill>
+              <a:schemeClr val="tx2"/>
+            </a:solidFill>
+            <a:prstDash val="lgDash"/>
             <a:tailEnd type="triangle"/>
           </a:ln>
         </p:spPr>
@@ -3915,201 +3776,35 @@
       </p:cxnSp>
       <p:cxnSp>
         <p:nvCxnSpPr>
-          <p:cNvPr id="23" name="直接箭头连接符 22">
-            <a:extLst>
-              <a:ext uri="{FF2B5EF4-FFF2-40B4-BE49-F238E27FC236}">
-                <a16:creationId xmlns:a16="http://schemas.microsoft.com/office/drawing/2014/main" id="{E0530C0C-036B-4AF2-88FE-D904D77BE9CE}"/>
+          <p:cNvPr id="42" name="接點: 肘形 41">
+            <a:extLst>
+              <a:ext uri="{FF2B5EF4-FFF2-40B4-BE49-F238E27FC236}">
+                <a16:creationId xmlns:a16="http://schemas.microsoft.com/office/drawing/2014/main" id="{94FC77E7-6886-4A6F-BC19-1B3CACA81CD1}"/>
               </a:ext>
             </a:extLst>
           </p:cNvPr>
           <p:cNvCxnSpPr>
             <a:cxnSpLocks/>
-            <a:stCxn id="6" idx="4"/>
-            <a:endCxn id="4" idx="0"/>
+            <a:stCxn id="15" idx="2"/>
+            <a:endCxn id="28" idx="2"/>
           </p:cNvCxnSpPr>
           <p:nvPr/>
         </p:nvCxnSpPr>
         <p:spPr>
-          <a:xfrm flipH="1">
-            <a:off x="6007132" y="2094193"/>
-            <a:ext cx="2065189" cy="634481"/>
+          <a:xfrm rot="5400000">
+            <a:off x="6121959" y="2087234"/>
+            <a:ext cx="2625983" cy="3758448"/>
           </a:xfrm>
-          <a:prstGeom prst="straightConnector1">
-            <a:avLst/>
+          <a:prstGeom prst="bentConnector3">
+            <a:avLst>
+              <a:gd name="adj1" fmla="val 122705"/>
+            </a:avLst>
           </a:prstGeom>
-          <a:ln>
-            <a:tailEnd type="triangle"/>
-          </a:ln>
-        </p:spPr>
-        <p:style>
-          <a:lnRef idx="1">
-            <a:schemeClr val="accent1"/>
-          </a:lnRef>
-          <a:fillRef idx="0">
-            <a:schemeClr val="accent1"/>
-          </a:fillRef>
-          <a:effectRef idx="0">
-            <a:schemeClr val="accent1"/>
-          </a:effectRef>
-          <a:fontRef idx="minor">
-            <a:schemeClr val="tx1"/>
-          </a:fontRef>
-        </p:style>
-      </p:cxnSp>
-      <p:cxnSp>
-        <p:nvCxnSpPr>
-          <p:cNvPr id="27" name="直接箭头连接符 26">
-            <a:extLst>
-              <a:ext uri="{FF2B5EF4-FFF2-40B4-BE49-F238E27FC236}">
-                <a16:creationId xmlns:a16="http://schemas.microsoft.com/office/drawing/2014/main" id="{5532981D-4744-4E74-8742-8F32EC2997A8}"/>
-              </a:ext>
-            </a:extLst>
-          </p:cNvPr>
-          <p:cNvCxnSpPr>
-            <a:cxnSpLocks/>
-            <a:stCxn id="9" idx="0"/>
-            <a:endCxn id="4" idx="2"/>
-          </p:cNvCxnSpPr>
-          <p:nvPr/>
-        </p:nvCxnSpPr>
-        <p:spPr>
-          <a:xfrm flipV="1">
-            <a:off x="3893751" y="3834352"/>
-            <a:ext cx="2113381" cy="634483"/>
-          </a:xfrm>
-          <a:prstGeom prst="straightConnector1">
-            <a:avLst/>
-          </a:prstGeom>
-          <a:ln>
-            <a:tailEnd type="triangle"/>
-          </a:ln>
-        </p:spPr>
-        <p:style>
-          <a:lnRef idx="1">
-            <a:schemeClr val="accent1"/>
-          </a:lnRef>
-          <a:fillRef idx="0">
-            <a:schemeClr val="accent1"/>
-          </a:fillRef>
-          <a:effectRef idx="0">
-            <a:schemeClr val="accent1"/>
-          </a:effectRef>
-          <a:fontRef idx="minor">
-            <a:schemeClr val="tx1"/>
-          </a:fontRef>
-        </p:style>
-      </p:cxnSp>
-      <p:cxnSp>
-        <p:nvCxnSpPr>
-          <p:cNvPr id="30" name="直接箭头连接符 29">
-            <a:extLst>
-              <a:ext uri="{FF2B5EF4-FFF2-40B4-BE49-F238E27FC236}">
-                <a16:creationId xmlns:a16="http://schemas.microsoft.com/office/drawing/2014/main" id="{4D4FD63C-BA36-4A74-8F06-11790EA943F2}"/>
-              </a:ext>
-            </a:extLst>
-          </p:cNvPr>
-          <p:cNvCxnSpPr>
-            <a:cxnSpLocks/>
-            <a:stCxn id="11" idx="0"/>
-            <a:endCxn id="4" idx="2"/>
-          </p:cNvCxnSpPr>
-          <p:nvPr/>
-        </p:nvCxnSpPr>
-        <p:spPr>
-          <a:xfrm flipV="1">
-            <a:off x="5428635" y="3834352"/>
-            <a:ext cx="578497" cy="634482"/>
-          </a:xfrm>
-          <a:prstGeom prst="straightConnector1">
-            <a:avLst/>
-          </a:prstGeom>
-          <a:ln>
-            <a:tailEnd type="triangle"/>
-          </a:ln>
-        </p:spPr>
-        <p:style>
-          <a:lnRef idx="1">
-            <a:schemeClr val="accent1"/>
-          </a:lnRef>
-          <a:fillRef idx="0">
-            <a:schemeClr val="accent1"/>
-          </a:fillRef>
-          <a:effectRef idx="0">
-            <a:schemeClr val="accent1"/>
-          </a:effectRef>
-          <a:fontRef idx="minor">
-            <a:schemeClr val="tx1"/>
-          </a:fontRef>
-        </p:style>
-      </p:cxnSp>
-      <p:cxnSp>
-        <p:nvCxnSpPr>
-          <p:cNvPr id="33" name="直接箭头连接符 32">
-            <a:extLst>
-              <a:ext uri="{FF2B5EF4-FFF2-40B4-BE49-F238E27FC236}">
-                <a16:creationId xmlns:a16="http://schemas.microsoft.com/office/drawing/2014/main" id="{F9AC1FF8-33BF-45BA-8613-3008FAAC3D01}"/>
-              </a:ext>
-            </a:extLst>
-          </p:cNvPr>
-          <p:cNvCxnSpPr>
-            <a:cxnSpLocks/>
-            <a:stCxn id="12" idx="0"/>
-            <a:endCxn id="4" idx="2"/>
-          </p:cNvCxnSpPr>
-          <p:nvPr/>
-        </p:nvCxnSpPr>
-        <p:spPr>
-          <a:xfrm flipH="1" flipV="1">
-            <a:off x="6007132" y="3834352"/>
-            <a:ext cx="743346" cy="634482"/>
-          </a:xfrm>
-          <a:prstGeom prst="straightConnector1">
-            <a:avLst/>
-          </a:prstGeom>
-          <a:ln>
-            <a:tailEnd type="triangle"/>
-          </a:ln>
-        </p:spPr>
-        <p:style>
-          <a:lnRef idx="1">
-            <a:schemeClr val="accent1"/>
-          </a:lnRef>
-          <a:fillRef idx="0">
-            <a:schemeClr val="accent1"/>
-          </a:fillRef>
-          <a:effectRef idx="0">
-            <a:schemeClr val="accent1"/>
-          </a:effectRef>
-          <a:fontRef idx="minor">
-            <a:schemeClr val="tx1"/>
-          </a:fontRef>
-        </p:style>
-      </p:cxnSp>
-      <p:cxnSp>
-        <p:nvCxnSpPr>
-          <p:cNvPr id="36" name="直接箭头连接符 35">
-            <a:extLst>
-              <a:ext uri="{FF2B5EF4-FFF2-40B4-BE49-F238E27FC236}">
-                <a16:creationId xmlns:a16="http://schemas.microsoft.com/office/drawing/2014/main" id="{2C4FC6F9-C2F4-46BD-9FF5-622E2B565B00}"/>
-              </a:ext>
-            </a:extLst>
-          </p:cNvPr>
-          <p:cNvCxnSpPr>
-            <a:cxnSpLocks/>
-            <a:stCxn id="10" idx="0"/>
-            <a:endCxn id="4" idx="2"/>
-          </p:cNvCxnSpPr>
-          <p:nvPr/>
-        </p:nvCxnSpPr>
-        <p:spPr>
-          <a:xfrm flipH="1" flipV="1">
-            <a:off x="6007132" y="3834352"/>
-            <a:ext cx="2065189" cy="634482"/>
-          </a:xfrm>
-          <a:prstGeom prst="straightConnector1">
-            <a:avLst/>
-          </a:prstGeom>
-          <a:ln>
+          <a:ln w="57150">
+            <a:solidFill>
+              <a:schemeClr val="tx2"/>
+            </a:solidFill>
+            <a:prstDash val="lgDash"/>
             <a:tailEnd type="triangle"/>
           </a:ln>
         </p:spPr>
